--- a/media/Explanations/Präsentation1.pptx
+++ b/media/Explanations/Präsentation1.pptx
@@ -8,12 +8,12 @@
     <p:notesMasterId r:id="rId8"/>
   </p:notesMasterIdLst>
   <p:sldIdLst>
-    <p:sldId id="256" r:id="rId2"/>
-    <p:sldId id="257" r:id="rId3"/>
-    <p:sldId id="258" r:id="rId4"/>
-    <p:sldId id="260" r:id="rId5"/>
-    <p:sldId id="262" r:id="rId6"/>
-    <p:sldId id="263" r:id="rId7"/>
+    <p:sldId id="264" r:id="rId2"/>
+    <p:sldId id="271" r:id="rId3"/>
+    <p:sldId id="270" r:id="rId4"/>
+    <p:sldId id="272" r:id="rId5"/>
+    <p:sldId id="274" r:id="rId6"/>
+    <p:sldId id="273" r:id="rId7"/>
   </p:sldIdLst>
   <p:sldSz cx="12192000" cy="6858000"/>
   <p:notesSz cx="6858000" cy="9144000"/>
@@ -112,6 +112,28 @@
       </a:defRPr>
     </a:lvl9pPr>
   </p:defaultTextStyle>
+  <p:extLst>
+    <p:ext uri="{521415D9-36F7-43E2-AB2F-B90AF26B5E84}">
+      <p14:sectionLst xmlns:p14="http://schemas.microsoft.com/office/powerpoint/2010/main">
+        <p14:section name="Standardabschnitt" id="{CB827617-428C-194A-A2B9-A903D658B183}">
+          <p14:sldIdLst/>
+        </p14:section>
+        <p14:section name="V2" id="{0B1ADA32-650F-1648-9A94-097A4D72F354}">
+          <p14:sldIdLst>
+            <p14:sldId id="264"/>
+            <p14:sldId id="271"/>
+            <p14:sldId id="270"/>
+            <p14:sldId id="272"/>
+            <p14:sldId id="274"/>
+            <p14:sldId id="273"/>
+          </p14:sldIdLst>
+        </p14:section>
+      </p14:sectionLst>
+    </p:ext>
+    <p:ext uri="{EFAFB233-063F-42B5-8137-9DF3F51BA10A}">
+      <p15:sldGuideLst xmlns:p15="http://schemas.microsoft.com/office/powerpoint/2012/main"/>
+    </p:ext>
+  </p:extLst>
 </p:presentation>
 </file>
 
@@ -197,7 +219,7 @@
           <a:p>
             <a:fld id="{68BA6BE8-E47C-E04A-9F09-1B9EC0AED8C6}" type="datetimeFigureOut">
               <a:rPr lang="en-US" smtClean="0"/>
-              <a:t>5/3/24</a:t>
+              <a:t>6/8/24</a:t>
             </a:fld>
             <a:endParaRPr lang="en-US"/>
           </a:p>
@@ -614,7 +636,7 @@
           <a:p>
             <a:fld id="{612875FC-F6FA-2647-B1A3-1EE2990D1FB5}" type="datetimeFigureOut">
               <a:rPr lang="en-US" smtClean="0"/>
-              <a:t>5/3/24</a:t>
+              <a:t>6/8/24</a:t>
             </a:fld>
             <a:endParaRPr lang="en-US"/>
           </a:p>
@@ -814,7 +836,7 @@
           <a:p>
             <a:fld id="{612875FC-F6FA-2647-B1A3-1EE2990D1FB5}" type="datetimeFigureOut">
               <a:rPr lang="en-US" smtClean="0"/>
-              <a:t>5/3/24</a:t>
+              <a:t>6/8/24</a:t>
             </a:fld>
             <a:endParaRPr lang="en-US"/>
           </a:p>
@@ -1024,7 +1046,7 @@
           <a:p>
             <a:fld id="{612875FC-F6FA-2647-B1A3-1EE2990D1FB5}" type="datetimeFigureOut">
               <a:rPr lang="en-US" smtClean="0"/>
-              <a:t>5/3/24</a:t>
+              <a:t>6/8/24</a:t>
             </a:fld>
             <a:endParaRPr lang="en-US"/>
           </a:p>
@@ -1224,7 +1246,7 @@
           <a:p>
             <a:fld id="{612875FC-F6FA-2647-B1A3-1EE2990D1FB5}" type="datetimeFigureOut">
               <a:rPr lang="en-US" smtClean="0"/>
-              <a:t>5/3/24</a:t>
+              <a:t>6/8/24</a:t>
             </a:fld>
             <a:endParaRPr lang="en-US"/>
           </a:p>
@@ -1500,7 +1522,7 @@
           <a:p>
             <a:fld id="{612875FC-F6FA-2647-B1A3-1EE2990D1FB5}" type="datetimeFigureOut">
               <a:rPr lang="en-US" smtClean="0"/>
-              <a:t>5/3/24</a:t>
+              <a:t>6/8/24</a:t>
             </a:fld>
             <a:endParaRPr lang="en-US"/>
           </a:p>
@@ -1768,7 +1790,7 @@
           <a:p>
             <a:fld id="{612875FC-F6FA-2647-B1A3-1EE2990D1FB5}" type="datetimeFigureOut">
               <a:rPr lang="en-US" smtClean="0"/>
-              <a:t>5/3/24</a:t>
+              <a:t>6/8/24</a:t>
             </a:fld>
             <a:endParaRPr lang="en-US"/>
           </a:p>
@@ -2183,7 +2205,7 @@
           <a:p>
             <a:fld id="{612875FC-F6FA-2647-B1A3-1EE2990D1FB5}" type="datetimeFigureOut">
               <a:rPr lang="en-US" smtClean="0"/>
-              <a:t>5/3/24</a:t>
+              <a:t>6/8/24</a:t>
             </a:fld>
             <a:endParaRPr lang="en-US"/>
           </a:p>
@@ -2325,7 +2347,7 @@
           <a:p>
             <a:fld id="{612875FC-F6FA-2647-B1A3-1EE2990D1FB5}" type="datetimeFigureOut">
               <a:rPr lang="en-US" smtClean="0"/>
-              <a:t>5/3/24</a:t>
+              <a:t>6/8/24</a:t>
             </a:fld>
             <a:endParaRPr lang="en-US"/>
           </a:p>
@@ -2438,7 +2460,7 @@
           <a:p>
             <a:fld id="{612875FC-F6FA-2647-B1A3-1EE2990D1FB5}" type="datetimeFigureOut">
               <a:rPr lang="en-US" smtClean="0"/>
-              <a:t>5/3/24</a:t>
+              <a:t>6/8/24</a:t>
             </a:fld>
             <a:endParaRPr lang="en-US"/>
           </a:p>
@@ -2751,7 +2773,7 @@
           <a:p>
             <a:fld id="{612875FC-F6FA-2647-B1A3-1EE2990D1FB5}" type="datetimeFigureOut">
               <a:rPr lang="en-US" smtClean="0"/>
-              <a:t>5/3/24</a:t>
+              <a:t>6/8/24</a:t>
             </a:fld>
             <a:endParaRPr lang="en-US"/>
           </a:p>
@@ -3040,7 +3062,7 @@
           <a:p>
             <a:fld id="{612875FC-F6FA-2647-B1A3-1EE2990D1FB5}" type="datetimeFigureOut">
               <a:rPr lang="en-US" smtClean="0"/>
-              <a:t>5/3/24</a:t>
+              <a:t>6/8/24</a:t>
             </a:fld>
             <a:endParaRPr lang="en-US"/>
           </a:p>
@@ -3283,7 +3305,7 @@
           <a:p>
             <a:fld id="{612875FC-F6FA-2647-B1A3-1EE2990D1FB5}" type="datetimeFigureOut">
               <a:rPr lang="en-US" smtClean="0"/>
-              <a:t>5/3/24</a:t>
+              <a:t>6/8/24</a:t>
             </a:fld>
             <a:endParaRPr lang="en-US"/>
           </a:p>
@@ -3702,10 +3724,10 @@
       </p:grpSpPr>
       <p:pic>
         <p:nvPicPr>
-          <p:cNvPr id="5" name="Grafik 4">
-            <a:extLst>
-              <a:ext uri="{FF2B5EF4-FFF2-40B4-BE49-F238E27FC236}">
-                <a16:creationId xmlns:a16="http://schemas.microsoft.com/office/drawing/2014/main" id="{08A62460-EC18-A409-A52C-2BC35B3A684F}"/>
+          <p:cNvPr id="4" name="Grafik 3">
+            <a:extLst>
+              <a:ext uri="{FF2B5EF4-FFF2-40B4-BE49-F238E27FC236}">
+                <a16:creationId xmlns:a16="http://schemas.microsoft.com/office/drawing/2014/main" id="{BE0ABB87-9D88-6862-F698-1FC627AB577A}"/>
               </a:ext>
             </a:extLst>
           </p:cNvPr>
@@ -3714,15 +3736,16 @@
           </p:cNvPicPr>
           <p:nvPr/>
         </p:nvPicPr>
-        <p:blipFill rotWithShape="1">
+        <p:blipFill>
           <a:blip r:embed="rId2"/>
-          <a:srcRect t="1731"/>
-          <a:stretch/>
+          <a:stretch>
+            <a:fillRect/>
+          </a:stretch>
         </p:blipFill>
         <p:spPr>
           <a:xfrm>
-            <a:off x="0" y="150312"/>
-            <a:ext cx="12186913" cy="6757792"/>
+            <a:off x="210355" y="418858"/>
+            <a:ext cx="11771290" cy="6020284"/>
           </a:xfrm>
           <a:prstGeom prst="rect">
             <a:avLst/>
@@ -3732,7 +3755,7 @@
     </p:spTree>
     <p:extLst>
       <p:ext uri="{BB962C8B-B14F-4D97-AF65-F5344CB8AC3E}">
-        <p14:creationId xmlns:p14="http://schemas.microsoft.com/office/powerpoint/2010/main" val="2064048613"/>
+        <p14:creationId xmlns:p14="http://schemas.microsoft.com/office/powerpoint/2010/main" val="3007268682"/>
       </p:ext>
     </p:extLst>
   </p:cSld>
@@ -3761,10 +3784,10 @@
       </p:grpSpPr>
       <p:pic>
         <p:nvPicPr>
-          <p:cNvPr id="5" name="Grafik 4">
-            <a:extLst>
-              <a:ext uri="{FF2B5EF4-FFF2-40B4-BE49-F238E27FC236}">
-                <a16:creationId xmlns:a16="http://schemas.microsoft.com/office/drawing/2014/main" id="{08A62460-EC18-A409-A52C-2BC35B3A684F}"/>
+          <p:cNvPr id="11" name="Grafik 10">
+            <a:extLst>
+              <a:ext uri="{FF2B5EF4-FFF2-40B4-BE49-F238E27FC236}">
+                <a16:creationId xmlns:a16="http://schemas.microsoft.com/office/drawing/2014/main" id="{92B607C1-21CD-F58F-0AF0-EAFBB22AB12F}"/>
               </a:ext>
             </a:extLst>
           </p:cNvPr>
@@ -3773,15 +3796,16 @@
           </p:cNvPicPr>
           <p:nvPr/>
         </p:nvPicPr>
-        <p:blipFill rotWithShape="1">
+        <p:blipFill>
           <a:blip r:embed="rId2"/>
-          <a:srcRect t="1731"/>
-          <a:stretch/>
+          <a:stretch>
+            <a:fillRect/>
+          </a:stretch>
         </p:blipFill>
         <p:spPr>
           <a:xfrm>
-            <a:off x="0" y="150312"/>
-            <a:ext cx="12186913" cy="6757792"/>
+            <a:off x="210355" y="418858"/>
+            <a:ext cx="11771290" cy="6020284"/>
           </a:xfrm>
           <a:prstGeom prst="rect">
             <a:avLst/>
@@ -3793,7 +3817,7 @@
           <p:cNvPr id="6" name="Abgerundetes Rechteck 5">
             <a:extLst>
               <a:ext uri="{FF2B5EF4-FFF2-40B4-BE49-F238E27FC236}">
-                <a16:creationId xmlns:a16="http://schemas.microsoft.com/office/drawing/2014/main" id="{5D9B0B9D-73F7-B029-E12F-6E1D86BA54E5}"/>
+                <a16:creationId xmlns:a16="http://schemas.microsoft.com/office/drawing/2014/main" id="{8B99C21C-3311-4CDB-F115-7BFA08124AD8}"/>
               </a:ext>
             </a:extLst>
           </p:cNvPr>
@@ -3802,11 +3826,13 @@
         </p:nvSpPr>
         <p:spPr>
           <a:xfrm>
-            <a:off x="372934" y="530729"/>
-            <a:ext cx="8098077" cy="538619"/>
+            <a:off x="7322533" y="3032567"/>
+            <a:ext cx="4439862" cy="497711"/>
           </a:xfrm>
           <a:prstGeom prst="roundRect">
-            <a:avLst/>
+            <a:avLst>
+              <a:gd name="adj" fmla="val 19247"/>
+            </a:avLst>
           </a:prstGeom>
           <a:noFill/>
           <a:ln>
@@ -3842,10 +3868,10 @@
       </p:sp>
       <p:sp>
         <p:nvSpPr>
-          <p:cNvPr id="7" name="Abgerundetes Rechteck 6">
-            <a:extLst>
-              <a:ext uri="{FF2B5EF4-FFF2-40B4-BE49-F238E27FC236}">
-                <a16:creationId xmlns:a16="http://schemas.microsoft.com/office/drawing/2014/main" id="{E8249EAA-9D4C-ECBB-5F13-2BA09404B3C4}"/>
+          <p:cNvPr id="7" name="Rechteck 6">
+            <a:extLst>
+              <a:ext uri="{FF2B5EF4-FFF2-40B4-BE49-F238E27FC236}">
+                <a16:creationId xmlns:a16="http://schemas.microsoft.com/office/drawing/2014/main" id="{B2B72AC2-EB73-8D45-2EF6-746B336035AF}"/>
               </a:ext>
             </a:extLst>
           </p:cNvPr>
@@ -3854,60 +3880,8 @@
         </p:nvSpPr>
         <p:spPr>
           <a:xfrm>
-            <a:off x="7321138" y="2790999"/>
-            <a:ext cx="4372045" cy="538619"/>
-          </a:xfrm>
-          <a:prstGeom prst="roundRect">
-            <a:avLst/>
-          </a:prstGeom>
-          <a:noFill/>
-          <a:ln>
-            <a:solidFill>
-              <a:schemeClr val="accent2"/>
-            </a:solidFill>
-          </a:ln>
-        </p:spPr>
-        <p:style>
-          <a:lnRef idx="2">
-            <a:schemeClr val="accent1">
-              <a:shade val="15000"/>
-            </a:schemeClr>
-          </a:lnRef>
-          <a:fillRef idx="1">
-            <a:schemeClr val="accent1"/>
-          </a:fillRef>
-          <a:effectRef idx="0">
-            <a:schemeClr val="accent1"/>
-          </a:effectRef>
-          <a:fontRef idx="minor">
-            <a:schemeClr val="lt1"/>
-          </a:fontRef>
-        </p:style>
-        <p:txBody>
-          <a:bodyPr rtlCol="0" anchor="ctr"/>
-          <a:lstStyle/>
-          <a:p>
-            <a:pPr algn="ctr"/>
-            <a:endParaRPr lang="en-US"/>
-          </a:p>
-        </p:txBody>
-      </p:sp>
-      <p:sp>
-        <p:nvSpPr>
-          <p:cNvPr id="2" name="Rechteck 1">
-            <a:extLst>
-              <a:ext uri="{FF2B5EF4-FFF2-40B4-BE49-F238E27FC236}">
-                <a16:creationId xmlns:a16="http://schemas.microsoft.com/office/drawing/2014/main" id="{0B271D68-C6B1-A79B-5A79-A957378986E6}"/>
-              </a:ext>
-            </a:extLst>
-          </p:cNvPr>
-          <p:cNvSpPr/>
-          <p:nvPr/>
-        </p:nvSpPr>
-        <p:spPr>
-          <a:xfrm>
-            <a:off x="368136" y="1092530"/>
-            <a:ext cx="6903224" cy="5248893"/>
+            <a:off x="234922" y="1444752"/>
+            <a:ext cx="6903224" cy="5262936"/>
           </a:xfrm>
           <a:prstGeom prst="rect">
             <a:avLst/>
@@ -3950,10 +3924,10 @@
       </p:sp>
       <p:sp>
         <p:nvSpPr>
-          <p:cNvPr id="3" name="Rechteck 2">
-            <a:extLst>
-              <a:ext uri="{FF2B5EF4-FFF2-40B4-BE49-F238E27FC236}">
-                <a16:creationId xmlns:a16="http://schemas.microsoft.com/office/drawing/2014/main" id="{6E456345-3406-175D-6A1D-9E53B465D5A8}"/>
+          <p:cNvPr id="9" name="Rechteck 8">
+            <a:extLst>
+              <a:ext uri="{FF2B5EF4-FFF2-40B4-BE49-F238E27FC236}">
+                <a16:creationId xmlns:a16="http://schemas.microsoft.com/office/drawing/2014/main" id="{CB240BEA-3DB8-2124-EBFD-4499ADBF6519}"/>
               </a:ext>
             </a:extLst>
           </p:cNvPr>
@@ -3962,8 +3936,8 @@
         </p:nvSpPr>
         <p:spPr>
           <a:xfrm>
-            <a:off x="7214992" y="3429000"/>
-            <a:ext cx="4768242" cy="3269658"/>
+            <a:off x="7071735" y="1414872"/>
+            <a:ext cx="4768242" cy="807467"/>
           </a:xfrm>
           <a:prstGeom prst="rect">
             <a:avLst/>
@@ -4006,10 +3980,10 @@
       </p:sp>
       <p:sp>
         <p:nvSpPr>
-          <p:cNvPr id="4" name="Rechteck 3">
-            <a:extLst>
-              <a:ext uri="{FF2B5EF4-FFF2-40B4-BE49-F238E27FC236}">
-                <a16:creationId xmlns:a16="http://schemas.microsoft.com/office/drawing/2014/main" id="{15E510E7-5FF3-E273-87E4-EDB2FFADFB44}"/>
+          <p:cNvPr id="12" name="Rechteck 11">
+            <a:extLst>
+              <a:ext uri="{FF2B5EF4-FFF2-40B4-BE49-F238E27FC236}">
+                <a16:creationId xmlns:a16="http://schemas.microsoft.com/office/drawing/2014/main" id="{BC45055D-DDCB-FCA7-E659-9D566DD430B4}"/>
               </a:ext>
             </a:extLst>
           </p:cNvPr>
@@ -4018,8 +3992,8 @@
         </p:nvSpPr>
         <p:spPr>
           <a:xfrm>
-            <a:off x="7243176" y="1092530"/>
-            <a:ext cx="4768242" cy="1599087"/>
+            <a:off x="210355" y="239817"/>
+            <a:ext cx="11629622" cy="1140330"/>
           </a:xfrm>
           <a:prstGeom prst="rect">
             <a:avLst/>
@@ -4060,133 +4034,22 @@
           </a:p>
         </p:txBody>
       </p:sp>
-    </p:spTree>
-    <p:extLst>
-      <p:ext uri="{BB962C8B-B14F-4D97-AF65-F5344CB8AC3E}">
-        <p14:creationId xmlns:p14="http://schemas.microsoft.com/office/powerpoint/2010/main" val="2960314733"/>
-      </p:ext>
-    </p:extLst>
-  </p:cSld>
-  <p:clrMapOvr>
-    <a:masterClrMapping/>
-  </p:clrMapOvr>
-</p:sld>
-</file>
-
-<file path=ppt/slides/slide3.xml><?xml version="1.0" encoding="utf-8"?>
-<p:sld xmlns:a="http://schemas.openxmlformats.org/drawingml/2006/main" xmlns:r="http://schemas.openxmlformats.org/officeDocument/2006/relationships" xmlns:p="http://schemas.openxmlformats.org/presentationml/2006/main">
-  <p:cSld>
-    <p:spTree>
-      <p:nvGrpSpPr>
-        <p:cNvPr id="1" name=""/>
-        <p:cNvGrpSpPr/>
-        <p:nvPr/>
-      </p:nvGrpSpPr>
-      <p:grpSpPr>
-        <a:xfrm>
-          <a:off x="0" y="0"/>
-          <a:ext cx="0" cy="0"/>
-          <a:chOff x="0" y="0"/>
-          <a:chExt cx="0" cy="0"/>
-        </a:xfrm>
-      </p:grpSpPr>
-      <p:pic>
-        <p:nvPicPr>
-          <p:cNvPr id="5" name="Grafik 4">
-            <a:extLst>
-              <a:ext uri="{FF2B5EF4-FFF2-40B4-BE49-F238E27FC236}">
-                <a16:creationId xmlns:a16="http://schemas.microsoft.com/office/drawing/2014/main" id="{08A62460-EC18-A409-A52C-2BC35B3A684F}"/>
-              </a:ext>
-            </a:extLst>
-          </p:cNvPr>
-          <p:cNvPicPr>
-            <a:picLocks noChangeAspect="1"/>
-          </p:cNvPicPr>
+      <p:sp>
+        <p:nvSpPr>
+          <p:cNvPr id="2" name="Rechteck 1">
+            <a:extLst>
+              <a:ext uri="{FF2B5EF4-FFF2-40B4-BE49-F238E27FC236}">
+                <a16:creationId xmlns:a16="http://schemas.microsoft.com/office/drawing/2014/main" id="{C412D256-A9C8-44E4-A530-2A4927AC6406}"/>
+              </a:ext>
+            </a:extLst>
+          </p:cNvPr>
+          <p:cNvSpPr/>
           <p:nvPr/>
-        </p:nvPicPr>
-        <p:blipFill rotWithShape="1">
-          <a:blip r:embed="rId2"/>
-          <a:srcRect t="1731"/>
-          <a:stretch/>
-        </p:blipFill>
+        </p:nvSpPr>
         <p:spPr>
           <a:xfrm>
-            <a:off x="0" y="159342"/>
-            <a:ext cx="12186913" cy="6757792"/>
-          </a:xfrm>
-          <a:prstGeom prst="rect">
-            <a:avLst/>
-          </a:prstGeom>
-        </p:spPr>
-      </p:pic>
-      <p:sp>
-        <p:nvSpPr>
-          <p:cNvPr id="6" name="Abgerundetes Rechteck 5">
-            <a:extLst>
-              <a:ext uri="{FF2B5EF4-FFF2-40B4-BE49-F238E27FC236}">
-                <a16:creationId xmlns:a16="http://schemas.microsoft.com/office/drawing/2014/main" id="{5D9B0B9D-73F7-B029-E12F-6E1D86BA54E5}"/>
-              </a:ext>
-            </a:extLst>
-          </p:cNvPr>
-          <p:cNvSpPr/>
-          <p:nvPr/>
-        </p:nvSpPr>
-        <p:spPr>
-          <a:xfrm>
-            <a:off x="372041" y="1389413"/>
-            <a:ext cx="11396406" cy="403677"/>
-          </a:xfrm>
-          <a:prstGeom prst="roundRect">
-            <a:avLst/>
-          </a:prstGeom>
-          <a:noFill/>
-          <a:ln>
-            <a:solidFill>
-              <a:schemeClr val="accent2"/>
-            </a:solidFill>
-          </a:ln>
-        </p:spPr>
-        <p:style>
-          <a:lnRef idx="2">
-            <a:schemeClr val="accent1">
-              <a:shade val="15000"/>
-            </a:schemeClr>
-          </a:lnRef>
-          <a:fillRef idx="1">
-            <a:schemeClr val="accent1"/>
-          </a:fillRef>
-          <a:effectRef idx="0">
-            <a:schemeClr val="accent1"/>
-          </a:effectRef>
-          <a:fontRef idx="minor">
-            <a:schemeClr val="lt1"/>
-          </a:fontRef>
-        </p:style>
-        <p:txBody>
-          <a:bodyPr rtlCol="0" anchor="ctr"/>
-          <a:lstStyle/>
-          <a:p>
-            <a:pPr algn="ctr"/>
-            <a:endParaRPr lang="en-US"/>
-          </a:p>
-        </p:txBody>
-      </p:sp>
-      <p:sp>
-        <p:nvSpPr>
-          <p:cNvPr id="2" name="Rechteck 1">
-            <a:extLst>
-              <a:ext uri="{FF2B5EF4-FFF2-40B4-BE49-F238E27FC236}">
-                <a16:creationId xmlns:a16="http://schemas.microsoft.com/office/drawing/2014/main" id="{0B271D68-C6B1-A79B-5A79-A957378986E6}"/>
-              </a:ext>
-            </a:extLst>
-          </p:cNvPr>
-          <p:cNvSpPr/>
-          <p:nvPr/>
-        </p:nvSpPr>
-        <p:spPr>
-          <a:xfrm>
-            <a:off x="368136" y="2011566"/>
-            <a:ext cx="6903224" cy="4329857"/>
+            <a:off x="7322532" y="3594883"/>
+            <a:ext cx="4439862" cy="2632297"/>
           </a:xfrm>
           <a:prstGeom prst="rect">
             <a:avLst/>
@@ -4227,12 +4090,72 @@
           </a:p>
         </p:txBody>
       </p:sp>
-      <p:sp>
-        <p:nvSpPr>
-          <p:cNvPr id="3" name="Rechteck 2">
-            <a:extLst>
-              <a:ext uri="{FF2B5EF4-FFF2-40B4-BE49-F238E27FC236}">
-                <a16:creationId xmlns:a16="http://schemas.microsoft.com/office/drawing/2014/main" id="{6E456345-3406-175D-6A1D-9E53B465D5A8}"/>
+    </p:spTree>
+    <p:extLst>
+      <p:ext uri="{BB962C8B-B14F-4D97-AF65-F5344CB8AC3E}">
+        <p14:creationId xmlns:p14="http://schemas.microsoft.com/office/powerpoint/2010/main" val="3449064647"/>
+      </p:ext>
+    </p:extLst>
+  </p:cSld>
+  <p:clrMapOvr>
+    <a:masterClrMapping/>
+  </p:clrMapOvr>
+</p:sld>
+</file>
+
+<file path=ppt/slides/slide3.xml><?xml version="1.0" encoding="utf-8"?>
+<p:sld xmlns:a="http://schemas.openxmlformats.org/drawingml/2006/main" xmlns:r="http://schemas.openxmlformats.org/officeDocument/2006/relationships" xmlns:p="http://schemas.openxmlformats.org/presentationml/2006/main">
+  <p:cSld>
+    <p:spTree>
+      <p:nvGrpSpPr>
+        <p:cNvPr id="1" name=""/>
+        <p:cNvGrpSpPr/>
+        <p:nvPr/>
+      </p:nvGrpSpPr>
+      <p:grpSpPr>
+        <a:xfrm>
+          <a:off x="0" y="0"/>
+          <a:ext cx="0" cy="0"/>
+          <a:chOff x="0" y="0"/>
+          <a:chExt cx="0" cy="0"/>
+        </a:xfrm>
+      </p:grpSpPr>
+      <p:pic>
+        <p:nvPicPr>
+          <p:cNvPr id="11" name="Grafik 10">
+            <a:extLst>
+              <a:ext uri="{FF2B5EF4-FFF2-40B4-BE49-F238E27FC236}">
+                <a16:creationId xmlns:a16="http://schemas.microsoft.com/office/drawing/2014/main" id="{92B607C1-21CD-F58F-0AF0-EAFBB22AB12F}"/>
+              </a:ext>
+            </a:extLst>
+          </p:cNvPr>
+          <p:cNvPicPr>
+            <a:picLocks noChangeAspect="1"/>
+          </p:cNvPicPr>
+          <p:nvPr/>
+        </p:nvPicPr>
+        <p:blipFill>
+          <a:blip r:embed="rId2"/>
+          <a:stretch>
+            <a:fillRect/>
+          </a:stretch>
+        </p:blipFill>
+        <p:spPr>
+          <a:xfrm>
+            <a:off x="210355" y="418858"/>
+            <a:ext cx="11771290" cy="6020284"/>
+          </a:xfrm>
+          <a:prstGeom prst="rect">
+            <a:avLst/>
+          </a:prstGeom>
+        </p:spPr>
+      </p:pic>
+      <p:sp>
+        <p:nvSpPr>
+          <p:cNvPr id="5" name="Abgerundetes Rechteck 4">
+            <a:extLst>
+              <a:ext uri="{FF2B5EF4-FFF2-40B4-BE49-F238E27FC236}">
+                <a16:creationId xmlns:a16="http://schemas.microsoft.com/office/drawing/2014/main" id="{B2A205FD-A124-7CDA-2553-B69467896960}"/>
               </a:ext>
             </a:extLst>
           </p:cNvPr>
@@ -4241,8 +4164,60 @@
         </p:nvSpPr>
         <p:spPr>
           <a:xfrm>
-            <a:off x="7214992" y="3429000"/>
-            <a:ext cx="4768242" cy="3269658"/>
+            <a:off x="352023" y="1721707"/>
+            <a:ext cx="11487954" cy="295523"/>
+          </a:xfrm>
+          <a:prstGeom prst="roundRect">
+            <a:avLst/>
+          </a:prstGeom>
+          <a:noFill/>
+          <a:ln>
+            <a:solidFill>
+              <a:schemeClr val="accent2"/>
+            </a:solidFill>
+          </a:ln>
+        </p:spPr>
+        <p:style>
+          <a:lnRef idx="2">
+            <a:schemeClr val="accent1">
+              <a:shade val="15000"/>
+            </a:schemeClr>
+          </a:lnRef>
+          <a:fillRef idx="1">
+            <a:schemeClr val="accent1"/>
+          </a:fillRef>
+          <a:effectRef idx="0">
+            <a:schemeClr val="accent1"/>
+          </a:effectRef>
+          <a:fontRef idx="minor">
+            <a:schemeClr val="lt1"/>
+          </a:fontRef>
+        </p:style>
+        <p:txBody>
+          <a:bodyPr rtlCol="0" anchor="ctr"/>
+          <a:lstStyle/>
+          <a:p>
+            <a:pPr algn="ctr"/>
+            <a:endParaRPr lang="en-US"/>
+          </a:p>
+        </p:txBody>
+      </p:sp>
+      <p:sp>
+        <p:nvSpPr>
+          <p:cNvPr id="7" name="Rechteck 6">
+            <a:extLst>
+              <a:ext uri="{FF2B5EF4-FFF2-40B4-BE49-F238E27FC236}">
+                <a16:creationId xmlns:a16="http://schemas.microsoft.com/office/drawing/2014/main" id="{B2B72AC2-EB73-8D45-2EF6-746B336035AF}"/>
+              </a:ext>
+            </a:extLst>
+          </p:cNvPr>
+          <p:cNvSpPr/>
+          <p:nvPr/>
+        </p:nvSpPr>
+        <p:spPr>
+          <a:xfrm>
+            <a:off x="234921" y="2091369"/>
+            <a:ext cx="11746723" cy="4616319"/>
           </a:xfrm>
           <a:prstGeom prst="rect">
             <a:avLst/>
@@ -4285,10 +4260,10 @@
       </p:sp>
       <p:sp>
         <p:nvSpPr>
-          <p:cNvPr id="4" name="Rechteck 3">
-            <a:extLst>
-              <a:ext uri="{FF2B5EF4-FFF2-40B4-BE49-F238E27FC236}">
-                <a16:creationId xmlns:a16="http://schemas.microsoft.com/office/drawing/2014/main" id="{15E510E7-5FF3-E273-87E4-EDB2FFADFB44}"/>
+          <p:cNvPr id="9" name="Rechteck 8">
+            <a:extLst>
+              <a:ext uri="{FF2B5EF4-FFF2-40B4-BE49-F238E27FC236}">
+                <a16:creationId xmlns:a16="http://schemas.microsoft.com/office/drawing/2014/main" id="{CB240BEA-3DB8-2124-EBFD-4499ADBF6519}"/>
               </a:ext>
             </a:extLst>
           </p:cNvPr>
@@ -4297,8 +4272,8 @@
         </p:nvSpPr>
         <p:spPr>
           <a:xfrm>
-            <a:off x="7243176" y="1894114"/>
-            <a:ext cx="4768242" cy="1481603"/>
+            <a:off x="352023" y="916980"/>
+            <a:ext cx="11487954" cy="104238"/>
           </a:xfrm>
           <a:prstGeom prst="rect">
             <a:avLst/>
@@ -4339,133 +4314,22 @@
           </a:p>
         </p:txBody>
       </p:sp>
-    </p:spTree>
-    <p:extLst>
-      <p:ext uri="{BB962C8B-B14F-4D97-AF65-F5344CB8AC3E}">
-        <p14:creationId xmlns:p14="http://schemas.microsoft.com/office/powerpoint/2010/main" val="3018149466"/>
-      </p:ext>
-    </p:extLst>
-  </p:cSld>
-  <p:clrMapOvr>
-    <a:masterClrMapping/>
-  </p:clrMapOvr>
-</p:sld>
-</file>
-
-<file path=ppt/slides/slide4.xml><?xml version="1.0" encoding="utf-8"?>
-<p:sld xmlns:a="http://schemas.openxmlformats.org/drawingml/2006/main" xmlns:r="http://schemas.openxmlformats.org/officeDocument/2006/relationships" xmlns:p="http://schemas.openxmlformats.org/presentationml/2006/main">
-  <p:cSld>
-    <p:spTree>
-      <p:nvGrpSpPr>
-        <p:cNvPr id="1" name=""/>
-        <p:cNvGrpSpPr/>
-        <p:nvPr/>
-      </p:nvGrpSpPr>
-      <p:grpSpPr>
-        <a:xfrm>
-          <a:off x="0" y="0"/>
-          <a:ext cx="0" cy="0"/>
-          <a:chOff x="0" y="0"/>
-          <a:chExt cx="0" cy="0"/>
-        </a:xfrm>
-      </p:grpSpPr>
-      <p:pic>
-        <p:nvPicPr>
-          <p:cNvPr id="5" name="Grafik 4">
-            <a:extLst>
-              <a:ext uri="{FF2B5EF4-FFF2-40B4-BE49-F238E27FC236}">
-                <a16:creationId xmlns:a16="http://schemas.microsoft.com/office/drawing/2014/main" id="{08A62460-EC18-A409-A52C-2BC35B3A684F}"/>
-              </a:ext>
-            </a:extLst>
-          </p:cNvPr>
-          <p:cNvPicPr>
-            <a:picLocks noChangeAspect="1"/>
-          </p:cNvPicPr>
+      <p:sp>
+        <p:nvSpPr>
+          <p:cNvPr id="12" name="Rechteck 11">
+            <a:extLst>
+              <a:ext uri="{FF2B5EF4-FFF2-40B4-BE49-F238E27FC236}">
+                <a16:creationId xmlns:a16="http://schemas.microsoft.com/office/drawing/2014/main" id="{BC45055D-DDCB-FCA7-E659-9D566DD430B4}"/>
+              </a:ext>
+            </a:extLst>
+          </p:cNvPr>
+          <p:cNvSpPr/>
           <p:nvPr/>
-        </p:nvPicPr>
-        <p:blipFill rotWithShape="1">
-          <a:blip r:embed="rId2"/>
-          <a:srcRect t="1731"/>
-          <a:stretch/>
-        </p:blipFill>
+        </p:nvSpPr>
         <p:spPr>
           <a:xfrm>
-            <a:off x="0" y="159342"/>
-            <a:ext cx="12186913" cy="6757792"/>
-          </a:xfrm>
-          <a:prstGeom prst="rect">
-            <a:avLst/>
-          </a:prstGeom>
-        </p:spPr>
-      </p:pic>
-      <p:sp>
-        <p:nvSpPr>
-          <p:cNvPr id="6" name="Abgerundetes Rechteck 5">
-            <a:extLst>
-              <a:ext uri="{FF2B5EF4-FFF2-40B4-BE49-F238E27FC236}">
-                <a16:creationId xmlns:a16="http://schemas.microsoft.com/office/drawing/2014/main" id="{5D9B0B9D-73F7-B029-E12F-6E1D86BA54E5}"/>
-              </a:ext>
-            </a:extLst>
-          </p:cNvPr>
-          <p:cNvSpPr/>
-          <p:nvPr/>
-        </p:nvSpPr>
-        <p:spPr>
-          <a:xfrm>
-            <a:off x="449230" y="2056042"/>
-            <a:ext cx="6670027" cy="403677"/>
-          </a:xfrm>
-          <a:prstGeom prst="roundRect">
-            <a:avLst/>
-          </a:prstGeom>
-          <a:noFill/>
-          <a:ln>
-            <a:solidFill>
-              <a:schemeClr val="accent2"/>
-            </a:solidFill>
-          </a:ln>
-        </p:spPr>
-        <p:style>
-          <a:lnRef idx="2">
-            <a:schemeClr val="accent1">
-              <a:shade val="15000"/>
-            </a:schemeClr>
-          </a:lnRef>
-          <a:fillRef idx="1">
-            <a:schemeClr val="accent1"/>
-          </a:fillRef>
-          <a:effectRef idx="0">
-            <a:schemeClr val="accent1"/>
-          </a:effectRef>
-          <a:fontRef idx="minor">
-            <a:schemeClr val="lt1"/>
-          </a:fontRef>
-        </p:style>
-        <p:txBody>
-          <a:bodyPr rtlCol="0" anchor="ctr"/>
-          <a:lstStyle/>
-          <a:p>
-            <a:pPr algn="ctr"/>
-            <a:endParaRPr lang="en-US"/>
-          </a:p>
-        </p:txBody>
-      </p:sp>
-      <p:sp>
-        <p:nvSpPr>
-          <p:cNvPr id="3" name="Rechteck 2">
-            <a:extLst>
-              <a:ext uri="{FF2B5EF4-FFF2-40B4-BE49-F238E27FC236}">
-                <a16:creationId xmlns:a16="http://schemas.microsoft.com/office/drawing/2014/main" id="{6E456345-3406-175D-6A1D-9E53B465D5A8}"/>
-              </a:ext>
-            </a:extLst>
-          </p:cNvPr>
-          <p:cNvSpPr/>
-          <p:nvPr/>
-        </p:nvSpPr>
-        <p:spPr>
-          <a:xfrm>
-            <a:off x="7214992" y="3429000"/>
-            <a:ext cx="4768242" cy="3269658"/>
+            <a:off x="210355" y="239817"/>
+            <a:ext cx="11629622" cy="602359"/>
           </a:xfrm>
           <a:prstGeom prst="rect">
             <a:avLst/>
@@ -4506,12 +4370,72 @@
           </a:p>
         </p:txBody>
       </p:sp>
-      <p:sp>
-        <p:nvSpPr>
-          <p:cNvPr id="4" name="Rechteck 3">
-            <a:extLst>
-              <a:ext uri="{FF2B5EF4-FFF2-40B4-BE49-F238E27FC236}">
-                <a16:creationId xmlns:a16="http://schemas.microsoft.com/office/drawing/2014/main" id="{15E510E7-5FF3-E273-87E4-EDB2FFADFB44}"/>
+    </p:spTree>
+    <p:extLst>
+      <p:ext uri="{BB962C8B-B14F-4D97-AF65-F5344CB8AC3E}">
+        <p14:creationId xmlns:p14="http://schemas.microsoft.com/office/powerpoint/2010/main" val="2720982580"/>
+      </p:ext>
+    </p:extLst>
+  </p:cSld>
+  <p:clrMapOvr>
+    <a:masterClrMapping/>
+  </p:clrMapOvr>
+</p:sld>
+</file>
+
+<file path=ppt/slides/slide4.xml><?xml version="1.0" encoding="utf-8"?>
+<p:sld xmlns:a="http://schemas.openxmlformats.org/drawingml/2006/main" xmlns:r="http://schemas.openxmlformats.org/officeDocument/2006/relationships" xmlns:p="http://schemas.openxmlformats.org/presentationml/2006/main">
+  <p:cSld>
+    <p:spTree>
+      <p:nvGrpSpPr>
+        <p:cNvPr id="1" name=""/>
+        <p:cNvGrpSpPr/>
+        <p:nvPr/>
+      </p:nvGrpSpPr>
+      <p:grpSpPr>
+        <a:xfrm>
+          <a:off x="0" y="0"/>
+          <a:ext cx="0" cy="0"/>
+          <a:chOff x="0" y="0"/>
+          <a:chExt cx="0" cy="0"/>
+        </a:xfrm>
+      </p:grpSpPr>
+      <p:pic>
+        <p:nvPicPr>
+          <p:cNvPr id="11" name="Grafik 10">
+            <a:extLst>
+              <a:ext uri="{FF2B5EF4-FFF2-40B4-BE49-F238E27FC236}">
+                <a16:creationId xmlns:a16="http://schemas.microsoft.com/office/drawing/2014/main" id="{92B607C1-21CD-F58F-0AF0-EAFBB22AB12F}"/>
+              </a:ext>
+            </a:extLst>
+          </p:cNvPr>
+          <p:cNvPicPr>
+            <a:picLocks noChangeAspect="1"/>
+          </p:cNvPicPr>
+          <p:nvPr/>
+        </p:nvPicPr>
+        <p:blipFill>
+          <a:blip r:embed="rId2"/>
+          <a:stretch>
+            <a:fillRect/>
+          </a:stretch>
+        </p:blipFill>
+        <p:spPr>
+          <a:xfrm>
+            <a:off x="210355" y="418858"/>
+            <a:ext cx="11771290" cy="6020284"/>
+          </a:xfrm>
+          <a:prstGeom prst="rect">
+            <a:avLst/>
+          </a:prstGeom>
+        </p:spPr>
+      </p:pic>
+      <p:sp>
+        <p:nvSpPr>
+          <p:cNvPr id="5" name="Abgerundetes Rechteck 4">
+            <a:extLst>
+              <a:ext uri="{FF2B5EF4-FFF2-40B4-BE49-F238E27FC236}">
+                <a16:creationId xmlns:a16="http://schemas.microsoft.com/office/drawing/2014/main" id="{B2A205FD-A124-7CDA-2553-B69467896960}"/>
               </a:ext>
             </a:extLst>
           </p:cNvPr>
@@ -4520,8 +4444,60 @@
         </p:nvSpPr>
         <p:spPr>
           <a:xfrm>
-            <a:off x="7243176" y="1894114"/>
-            <a:ext cx="4768242" cy="1793174"/>
+            <a:off x="439838" y="2650603"/>
+            <a:ext cx="6713316" cy="428263"/>
+          </a:xfrm>
+          <a:prstGeom prst="roundRect">
+            <a:avLst/>
+          </a:prstGeom>
+          <a:noFill/>
+          <a:ln>
+            <a:solidFill>
+              <a:schemeClr val="accent2"/>
+            </a:solidFill>
+          </a:ln>
+        </p:spPr>
+        <p:style>
+          <a:lnRef idx="2">
+            <a:schemeClr val="accent1">
+              <a:shade val="15000"/>
+            </a:schemeClr>
+          </a:lnRef>
+          <a:fillRef idx="1">
+            <a:schemeClr val="accent1"/>
+          </a:fillRef>
+          <a:effectRef idx="0">
+            <a:schemeClr val="accent1"/>
+          </a:effectRef>
+          <a:fontRef idx="minor">
+            <a:schemeClr val="lt1"/>
+          </a:fontRef>
+        </p:style>
+        <p:txBody>
+          <a:bodyPr rtlCol="0" anchor="ctr"/>
+          <a:lstStyle/>
+          <a:p>
+            <a:pPr algn="ctr"/>
+            <a:endParaRPr lang="en-US"/>
+          </a:p>
+        </p:txBody>
+      </p:sp>
+      <p:sp>
+        <p:nvSpPr>
+          <p:cNvPr id="7" name="Rechteck 6">
+            <a:extLst>
+              <a:ext uri="{FF2B5EF4-FFF2-40B4-BE49-F238E27FC236}">
+                <a16:creationId xmlns:a16="http://schemas.microsoft.com/office/drawing/2014/main" id="{B2B72AC2-EB73-8D45-2EF6-746B336035AF}"/>
+              </a:ext>
+            </a:extLst>
+          </p:cNvPr>
+          <p:cNvSpPr/>
+          <p:nvPr/>
+        </p:nvSpPr>
+        <p:spPr>
+          <a:xfrm>
+            <a:off x="7245752" y="2091369"/>
+            <a:ext cx="4735892" cy="4616319"/>
           </a:xfrm>
           <a:prstGeom prst="rect">
             <a:avLst/>
@@ -4564,10 +4540,10 @@
       </p:sp>
       <p:sp>
         <p:nvSpPr>
-          <p:cNvPr id="7" name="Abgerundetes Rechteck 6">
-            <a:extLst>
-              <a:ext uri="{FF2B5EF4-FFF2-40B4-BE49-F238E27FC236}">
-                <a16:creationId xmlns:a16="http://schemas.microsoft.com/office/drawing/2014/main" id="{109E0674-8EB9-933C-D4F1-419C2655DD38}"/>
+          <p:cNvPr id="9" name="Rechteck 8">
+            <a:extLst>
+              <a:ext uri="{FF2B5EF4-FFF2-40B4-BE49-F238E27FC236}">
+                <a16:creationId xmlns:a16="http://schemas.microsoft.com/office/drawing/2014/main" id="{CB240BEA-3DB8-2124-EBFD-4499ADBF6519}"/>
               </a:ext>
             </a:extLst>
           </p:cNvPr>
@@ -4576,209 +4552,8 @@
         </p:nvSpPr>
         <p:spPr>
           <a:xfrm>
-            <a:off x="449230" y="2495347"/>
-            <a:ext cx="6670027" cy="2498228"/>
-          </a:xfrm>
-          <a:prstGeom prst="roundRect">
-            <a:avLst>
-              <a:gd name="adj" fmla="val 5972"/>
-            </a:avLst>
-          </a:prstGeom>
-          <a:noFill/>
-          <a:ln>
-            <a:solidFill>
-              <a:srgbClr val="FFBD44"/>
-            </a:solidFill>
-          </a:ln>
-        </p:spPr>
-        <p:style>
-          <a:lnRef idx="2">
-            <a:schemeClr val="accent1">
-              <a:shade val="15000"/>
-            </a:schemeClr>
-          </a:lnRef>
-          <a:fillRef idx="1">
-            <a:schemeClr val="accent1"/>
-          </a:fillRef>
-          <a:effectRef idx="0">
-            <a:schemeClr val="accent1"/>
-          </a:effectRef>
-          <a:fontRef idx="minor">
-            <a:schemeClr val="lt1"/>
-          </a:fontRef>
-        </p:style>
-        <p:txBody>
-          <a:bodyPr rtlCol="0" anchor="ctr"/>
-          <a:lstStyle/>
-          <a:p>
-            <a:pPr algn="ctr"/>
-            <a:endParaRPr lang="en-US"/>
-          </a:p>
-        </p:txBody>
-      </p:sp>
-      <p:pic>
-        <p:nvPicPr>
-          <p:cNvPr id="9" name="Grafik 8" descr="Cursor mit einfarbiger Füllung">
-            <a:extLst>
-              <a:ext uri="{FF2B5EF4-FFF2-40B4-BE49-F238E27FC236}">
-                <a16:creationId xmlns:a16="http://schemas.microsoft.com/office/drawing/2014/main" id="{1ECC7CE6-9DB9-2ECF-63C6-AD1FCDF439B8}"/>
-              </a:ext>
-            </a:extLst>
-          </p:cNvPr>
-          <p:cNvPicPr>
-            <a:picLocks noChangeAspect="1"/>
-          </p:cNvPicPr>
-          <p:nvPr/>
-        </p:nvPicPr>
-        <p:blipFill>
-          <a:blip r:embed="rId3">
-            <a:extLst>
-              <a:ext uri="{96DAC541-7B7A-43D3-8B79-37D633B846F1}">
-                <asvg:svgBlip xmlns:asvg="http://schemas.microsoft.com/office/drawing/2016/SVG/main" r:embed="rId4"/>
-              </a:ext>
-            </a:extLst>
-          </a:blip>
-          <a:stretch>
-            <a:fillRect/>
-          </a:stretch>
-        </p:blipFill>
-        <p:spPr>
-          <a:xfrm>
-            <a:off x="1486186" y="4703568"/>
-            <a:ext cx="290007" cy="290007"/>
-          </a:xfrm>
-          <a:prstGeom prst="rect">
-            <a:avLst/>
-          </a:prstGeom>
-        </p:spPr>
-      </p:pic>
-    </p:spTree>
-    <p:extLst>
-      <p:ext uri="{BB962C8B-B14F-4D97-AF65-F5344CB8AC3E}">
-        <p14:creationId xmlns:p14="http://schemas.microsoft.com/office/powerpoint/2010/main" val="2456108331"/>
-      </p:ext>
-    </p:extLst>
-  </p:cSld>
-  <p:clrMapOvr>
-    <a:masterClrMapping/>
-  </p:clrMapOvr>
-</p:sld>
-</file>
-
-<file path=ppt/slides/slide5.xml><?xml version="1.0" encoding="utf-8"?>
-<p:sld xmlns:a="http://schemas.openxmlformats.org/drawingml/2006/main" xmlns:r="http://schemas.openxmlformats.org/officeDocument/2006/relationships" xmlns:p="http://schemas.openxmlformats.org/presentationml/2006/main">
-  <p:cSld>
-    <p:spTree>
-      <p:nvGrpSpPr>
-        <p:cNvPr id="1" name=""/>
-        <p:cNvGrpSpPr/>
-        <p:nvPr/>
-      </p:nvGrpSpPr>
-      <p:grpSpPr>
-        <a:xfrm>
-          <a:off x="0" y="0"/>
-          <a:ext cx="0" cy="0"/>
-          <a:chOff x="0" y="0"/>
-          <a:chExt cx="0" cy="0"/>
-        </a:xfrm>
-      </p:grpSpPr>
-      <p:pic>
-        <p:nvPicPr>
-          <p:cNvPr id="5" name="Grafik 4">
-            <a:extLst>
-              <a:ext uri="{FF2B5EF4-FFF2-40B4-BE49-F238E27FC236}">
-                <a16:creationId xmlns:a16="http://schemas.microsoft.com/office/drawing/2014/main" id="{08A62460-EC18-A409-A52C-2BC35B3A684F}"/>
-              </a:ext>
-            </a:extLst>
-          </p:cNvPr>
-          <p:cNvPicPr>
-            <a:picLocks noChangeAspect="1"/>
-          </p:cNvPicPr>
-          <p:nvPr/>
-        </p:nvPicPr>
-        <p:blipFill rotWithShape="1">
-          <a:blip r:embed="rId2"/>
-          <a:srcRect t="1731"/>
-          <a:stretch/>
-        </p:blipFill>
-        <p:spPr>
-          <a:xfrm>
-            <a:off x="0" y="159342"/>
-            <a:ext cx="12186913" cy="6757792"/>
-          </a:xfrm>
-          <a:prstGeom prst="rect">
-            <a:avLst/>
-          </a:prstGeom>
-        </p:spPr>
-      </p:pic>
-      <p:sp>
-        <p:nvSpPr>
-          <p:cNvPr id="6" name="Abgerundetes Rechteck 5">
-            <a:extLst>
-              <a:ext uri="{FF2B5EF4-FFF2-40B4-BE49-F238E27FC236}">
-                <a16:creationId xmlns:a16="http://schemas.microsoft.com/office/drawing/2014/main" id="{5D9B0B9D-73F7-B029-E12F-6E1D86BA54E5}"/>
-              </a:ext>
-            </a:extLst>
-          </p:cNvPr>
-          <p:cNvSpPr/>
-          <p:nvPr/>
-        </p:nvSpPr>
-        <p:spPr>
-          <a:xfrm>
-            <a:off x="449230" y="2056042"/>
-            <a:ext cx="6670027" cy="403677"/>
-          </a:xfrm>
-          <a:prstGeom prst="roundRect">
-            <a:avLst/>
-          </a:prstGeom>
-          <a:noFill/>
-          <a:ln>
-            <a:solidFill>
-              <a:schemeClr val="accent2"/>
-            </a:solidFill>
-          </a:ln>
-        </p:spPr>
-        <p:style>
-          <a:lnRef idx="2">
-            <a:schemeClr val="accent1">
-              <a:shade val="15000"/>
-            </a:schemeClr>
-          </a:lnRef>
-          <a:fillRef idx="1">
-            <a:schemeClr val="accent1"/>
-          </a:fillRef>
-          <a:effectRef idx="0">
-            <a:schemeClr val="accent1"/>
-          </a:effectRef>
-          <a:fontRef idx="minor">
-            <a:schemeClr val="lt1"/>
-          </a:fontRef>
-        </p:style>
-        <p:txBody>
-          <a:bodyPr rtlCol="0" anchor="ctr"/>
-          <a:lstStyle/>
-          <a:p>
-            <a:pPr algn="ctr"/>
-            <a:endParaRPr lang="en-US"/>
-          </a:p>
-        </p:txBody>
-      </p:sp>
-      <p:sp>
-        <p:nvSpPr>
-          <p:cNvPr id="3" name="Rechteck 2">
-            <a:extLst>
-              <a:ext uri="{FF2B5EF4-FFF2-40B4-BE49-F238E27FC236}">
-                <a16:creationId xmlns:a16="http://schemas.microsoft.com/office/drawing/2014/main" id="{6E456345-3406-175D-6A1D-9E53B465D5A8}"/>
-              </a:ext>
-            </a:extLst>
-          </p:cNvPr>
-          <p:cNvSpPr/>
-          <p:nvPr/>
-        </p:nvSpPr>
-        <p:spPr>
-          <a:xfrm>
-            <a:off x="449231" y="3429000"/>
-            <a:ext cx="11534004" cy="3269658"/>
+            <a:off x="352023" y="916980"/>
+            <a:ext cx="11487954" cy="104238"/>
           </a:xfrm>
           <a:prstGeom prst="rect">
             <a:avLst/>
@@ -4821,10 +4596,10 @@
       </p:sp>
       <p:sp>
         <p:nvSpPr>
-          <p:cNvPr id="4" name="Rechteck 3">
-            <a:extLst>
-              <a:ext uri="{FF2B5EF4-FFF2-40B4-BE49-F238E27FC236}">
-                <a16:creationId xmlns:a16="http://schemas.microsoft.com/office/drawing/2014/main" id="{15E510E7-5FF3-E273-87E4-EDB2FFADFB44}"/>
+          <p:cNvPr id="12" name="Rechteck 11">
+            <a:extLst>
+              <a:ext uri="{FF2B5EF4-FFF2-40B4-BE49-F238E27FC236}">
+                <a16:creationId xmlns:a16="http://schemas.microsoft.com/office/drawing/2014/main" id="{BC45055D-DDCB-FCA7-E659-9D566DD430B4}"/>
               </a:ext>
             </a:extLst>
           </p:cNvPr>
@@ -4833,8 +4608,8 @@
         </p:nvSpPr>
         <p:spPr>
           <a:xfrm>
-            <a:off x="391886" y="1894114"/>
-            <a:ext cx="11619532" cy="1793174"/>
+            <a:off x="210355" y="239817"/>
+            <a:ext cx="11629622" cy="1851552"/>
           </a:xfrm>
           <a:prstGeom prst="rect">
             <a:avLst/>
@@ -4877,10 +4652,10 @@
       </p:sp>
       <p:sp>
         <p:nvSpPr>
-          <p:cNvPr id="7" name="Abgerundetes Rechteck 6">
-            <a:extLst>
-              <a:ext uri="{FF2B5EF4-FFF2-40B4-BE49-F238E27FC236}">
-                <a16:creationId xmlns:a16="http://schemas.microsoft.com/office/drawing/2014/main" id="{109E0674-8EB9-933C-D4F1-419C2655DD38}"/>
+          <p:cNvPr id="2" name="Abgerundetes Rechteck 1">
+            <a:extLst>
+              <a:ext uri="{FF2B5EF4-FFF2-40B4-BE49-F238E27FC236}">
+                <a16:creationId xmlns:a16="http://schemas.microsoft.com/office/drawing/2014/main" id="{39DFF451-75E8-8916-C042-A765DDCBDDAE}"/>
               </a:ext>
             </a:extLst>
           </p:cNvPr>
@@ -4889,12 +4664,12 @@
         </p:nvSpPr>
         <p:spPr>
           <a:xfrm>
-            <a:off x="449230" y="2495347"/>
-            <a:ext cx="6670027" cy="2498228"/>
+            <a:off x="439838" y="3122874"/>
+            <a:ext cx="6713316" cy="2062584"/>
           </a:xfrm>
           <a:prstGeom prst="roundRect">
             <a:avLst>
-              <a:gd name="adj" fmla="val 5972"/>
+              <a:gd name="adj" fmla="val 5750"/>
             </a:avLst>
           </a:prstGeom>
           <a:noFill/>
@@ -4931,10 +4706,10 @@
       </p:sp>
       <p:pic>
         <p:nvPicPr>
-          <p:cNvPr id="2" name="Grafik 1">
-            <a:extLst>
-              <a:ext uri="{FF2B5EF4-FFF2-40B4-BE49-F238E27FC236}">
-                <a16:creationId xmlns:a16="http://schemas.microsoft.com/office/drawing/2014/main" id="{80614C77-B651-0D48-B30D-86B365C1581D}"/>
+          <p:cNvPr id="4" name="Grafik 3" descr="Cursor mit einfarbiger Füllung">
+            <a:extLst>
+              <a:ext uri="{FF2B5EF4-FFF2-40B4-BE49-F238E27FC236}">
+                <a16:creationId xmlns:a16="http://schemas.microsoft.com/office/drawing/2014/main" id="{85B9762B-F6DF-3718-E0A6-F5879AB5FE4C}"/>
               </a:ext>
             </a:extLst>
           </p:cNvPr>
@@ -4944,39 +4719,31 @@
           <p:nvPr/>
         </p:nvPicPr>
         <p:blipFill>
-          <a:blip r:embed="rId3"/>
+          <a:blip r:embed="rId3">
+            <a:extLst>
+              <a:ext uri="{96DAC541-7B7A-43D3-8B79-37D633B846F1}">
+                <asvg:svgBlip xmlns:asvg="http://schemas.microsoft.com/office/drawing/2016/SVG/main" r:embed="rId4"/>
+              </a:ext>
+            </a:extLst>
+          </a:blip>
           <a:stretch>
             <a:fillRect/>
           </a:stretch>
         </p:blipFill>
         <p:spPr>
           <a:xfrm>
-            <a:off x="3656968" y="1233225"/>
-            <a:ext cx="5118529" cy="5007257"/>
+            <a:off x="5201659" y="5029724"/>
+            <a:ext cx="290007" cy="290007"/>
           </a:xfrm>
           <a:prstGeom prst="rect">
             <a:avLst/>
           </a:prstGeom>
-          <a:ln>
-            <a:solidFill>
-              <a:schemeClr val="bg1">
-                <a:lumMod val="75000"/>
-              </a:schemeClr>
-            </a:solidFill>
-          </a:ln>
-          <a:effectLst>
-            <a:outerShdw blurRad="50800" dist="38100" dir="2700000" algn="tl" rotWithShape="0">
-              <a:prstClr val="black">
-                <a:alpha val="40000"/>
-              </a:prstClr>
-            </a:outerShdw>
-          </a:effectLst>
         </p:spPr>
       </p:pic>
     </p:spTree>
     <p:extLst>
       <p:ext uri="{BB962C8B-B14F-4D97-AF65-F5344CB8AC3E}">
-        <p14:creationId xmlns:p14="http://schemas.microsoft.com/office/powerpoint/2010/main" val="1992503246"/>
+        <p14:creationId xmlns:p14="http://schemas.microsoft.com/office/powerpoint/2010/main" val="66958536"/>
       </p:ext>
     </p:extLst>
   </p:cSld>
@@ -4986,7 +4753,7 @@
 </p:sld>
 </file>
 
-<file path=ppt/slides/slide6.xml><?xml version="1.0" encoding="utf-8"?>
+<file path=ppt/slides/slide5.xml><?xml version="1.0" encoding="utf-8"?>
 <p:sld xmlns:a="http://schemas.openxmlformats.org/drawingml/2006/main" xmlns:r="http://schemas.openxmlformats.org/officeDocument/2006/relationships" xmlns:p="http://schemas.openxmlformats.org/presentationml/2006/main">
   <p:cSld>
     <p:spTree>
@@ -5005,10 +4772,10 @@
       </p:grpSpPr>
       <p:pic>
         <p:nvPicPr>
-          <p:cNvPr id="5" name="Grafik 4">
-            <a:extLst>
-              <a:ext uri="{FF2B5EF4-FFF2-40B4-BE49-F238E27FC236}">
-                <a16:creationId xmlns:a16="http://schemas.microsoft.com/office/drawing/2014/main" id="{08A62460-EC18-A409-A52C-2BC35B3A684F}"/>
+          <p:cNvPr id="11" name="Grafik 10">
+            <a:extLst>
+              <a:ext uri="{FF2B5EF4-FFF2-40B4-BE49-F238E27FC236}">
+                <a16:creationId xmlns:a16="http://schemas.microsoft.com/office/drawing/2014/main" id="{92B607C1-21CD-F58F-0AF0-EAFBB22AB12F}"/>
               </a:ext>
             </a:extLst>
           </p:cNvPr>
@@ -5017,15 +4784,16 @@
           </p:cNvPicPr>
           <p:nvPr/>
         </p:nvPicPr>
-        <p:blipFill rotWithShape="1">
+        <p:blipFill>
           <a:blip r:embed="rId2"/>
-          <a:srcRect t="1731"/>
-          <a:stretch/>
+          <a:stretch>
+            <a:fillRect/>
+          </a:stretch>
         </p:blipFill>
         <p:spPr>
           <a:xfrm>
-            <a:off x="0" y="159342"/>
-            <a:ext cx="12186913" cy="6757792"/>
+            <a:off x="210355" y="418858"/>
+            <a:ext cx="11771290" cy="6020284"/>
           </a:xfrm>
           <a:prstGeom prst="rect">
             <a:avLst/>
@@ -5034,10 +4802,10 @@
       </p:pic>
       <p:sp>
         <p:nvSpPr>
-          <p:cNvPr id="6" name="Abgerundetes Rechteck 5">
-            <a:extLst>
-              <a:ext uri="{FF2B5EF4-FFF2-40B4-BE49-F238E27FC236}">
-                <a16:creationId xmlns:a16="http://schemas.microsoft.com/office/drawing/2014/main" id="{5D9B0B9D-73F7-B029-E12F-6E1D86BA54E5}"/>
+          <p:cNvPr id="5" name="Abgerundetes Rechteck 4">
+            <a:extLst>
+              <a:ext uri="{FF2B5EF4-FFF2-40B4-BE49-F238E27FC236}">
+                <a16:creationId xmlns:a16="http://schemas.microsoft.com/office/drawing/2014/main" id="{B2A205FD-A124-7CDA-2553-B69467896960}"/>
               </a:ext>
             </a:extLst>
           </p:cNvPr>
@@ -5045,14 +4813,12 @@
           <p:nvPr/>
         </p:nvSpPr>
         <p:spPr>
-          <a:xfrm flipH="1">
-            <a:off x="7261761" y="1977242"/>
-            <a:ext cx="4506686" cy="3212275"/>
+          <a:xfrm>
+            <a:off x="439838" y="2650603"/>
+            <a:ext cx="6713316" cy="428263"/>
           </a:xfrm>
           <a:prstGeom prst="roundRect">
-            <a:avLst>
-              <a:gd name="adj" fmla="val 5576"/>
-            </a:avLst>
+            <a:avLst/>
           </a:prstGeom>
           <a:noFill/>
           <a:ln>
@@ -5088,10 +4854,10 @@
       </p:sp>
       <p:sp>
         <p:nvSpPr>
-          <p:cNvPr id="8" name="Rechteck 7">
-            <a:extLst>
-              <a:ext uri="{FF2B5EF4-FFF2-40B4-BE49-F238E27FC236}">
-                <a16:creationId xmlns:a16="http://schemas.microsoft.com/office/drawing/2014/main" id="{09CD2A88-2E50-F45C-2C24-3FE295FA1E67}"/>
+          <p:cNvPr id="7" name="Rechteck 6">
+            <a:extLst>
+              <a:ext uri="{FF2B5EF4-FFF2-40B4-BE49-F238E27FC236}">
+                <a16:creationId xmlns:a16="http://schemas.microsoft.com/office/drawing/2014/main" id="{B2B72AC2-EB73-8D45-2EF6-746B336035AF}"/>
               </a:ext>
             </a:extLst>
           </p:cNvPr>
@@ -5100,8 +4866,8 @@
         </p:nvSpPr>
         <p:spPr>
           <a:xfrm>
-            <a:off x="423553" y="1935677"/>
-            <a:ext cx="6731330" cy="4043549"/>
+            <a:off x="352022" y="2091369"/>
+            <a:ext cx="11629622" cy="4616319"/>
           </a:xfrm>
           <a:prstGeom prst="rect">
             <a:avLst/>
@@ -5142,10 +4908,504 @@
           </a:p>
         </p:txBody>
       </p:sp>
+      <p:sp>
+        <p:nvSpPr>
+          <p:cNvPr id="9" name="Rechteck 8">
+            <a:extLst>
+              <a:ext uri="{FF2B5EF4-FFF2-40B4-BE49-F238E27FC236}">
+                <a16:creationId xmlns:a16="http://schemas.microsoft.com/office/drawing/2014/main" id="{CB240BEA-3DB8-2124-EBFD-4499ADBF6519}"/>
+              </a:ext>
+            </a:extLst>
+          </p:cNvPr>
+          <p:cNvSpPr/>
+          <p:nvPr/>
+        </p:nvSpPr>
+        <p:spPr>
+          <a:xfrm>
+            <a:off x="352023" y="916980"/>
+            <a:ext cx="11487954" cy="104238"/>
+          </a:xfrm>
+          <a:prstGeom prst="rect">
+            <a:avLst/>
+          </a:prstGeom>
+          <a:solidFill>
+            <a:schemeClr val="bg1">
+              <a:alpha val="75000"/>
+            </a:schemeClr>
+          </a:solidFill>
+          <a:ln>
+            <a:solidFill>
+              <a:schemeClr val="bg1"/>
+            </a:solidFill>
+          </a:ln>
+        </p:spPr>
+        <p:style>
+          <a:lnRef idx="2">
+            <a:schemeClr val="accent1">
+              <a:shade val="15000"/>
+            </a:schemeClr>
+          </a:lnRef>
+          <a:fillRef idx="1">
+            <a:schemeClr val="accent1"/>
+          </a:fillRef>
+          <a:effectRef idx="0">
+            <a:schemeClr val="accent1"/>
+          </a:effectRef>
+          <a:fontRef idx="minor">
+            <a:schemeClr val="lt1"/>
+          </a:fontRef>
+        </p:style>
+        <p:txBody>
+          <a:bodyPr rtlCol="0" anchor="ctr"/>
+          <a:lstStyle/>
+          <a:p>
+            <a:pPr algn="ctr"/>
+            <a:endParaRPr lang="en-US"/>
+          </a:p>
+        </p:txBody>
+      </p:sp>
+      <p:sp>
+        <p:nvSpPr>
+          <p:cNvPr id="12" name="Rechteck 11">
+            <a:extLst>
+              <a:ext uri="{FF2B5EF4-FFF2-40B4-BE49-F238E27FC236}">
+                <a16:creationId xmlns:a16="http://schemas.microsoft.com/office/drawing/2014/main" id="{BC45055D-DDCB-FCA7-E659-9D566DD430B4}"/>
+              </a:ext>
+            </a:extLst>
+          </p:cNvPr>
+          <p:cNvSpPr/>
+          <p:nvPr/>
+        </p:nvSpPr>
+        <p:spPr>
+          <a:xfrm>
+            <a:off x="210355" y="239817"/>
+            <a:ext cx="11629622" cy="1851552"/>
+          </a:xfrm>
+          <a:prstGeom prst="rect">
+            <a:avLst/>
+          </a:prstGeom>
+          <a:solidFill>
+            <a:schemeClr val="bg1">
+              <a:alpha val="75000"/>
+            </a:schemeClr>
+          </a:solidFill>
+          <a:ln>
+            <a:solidFill>
+              <a:schemeClr val="bg1"/>
+            </a:solidFill>
+          </a:ln>
+        </p:spPr>
+        <p:style>
+          <a:lnRef idx="2">
+            <a:schemeClr val="accent1">
+              <a:shade val="15000"/>
+            </a:schemeClr>
+          </a:lnRef>
+          <a:fillRef idx="1">
+            <a:schemeClr val="accent1"/>
+          </a:fillRef>
+          <a:effectRef idx="0">
+            <a:schemeClr val="accent1"/>
+          </a:effectRef>
+          <a:fontRef idx="minor">
+            <a:schemeClr val="lt1"/>
+          </a:fontRef>
+        </p:style>
+        <p:txBody>
+          <a:bodyPr rtlCol="0" anchor="ctr"/>
+          <a:lstStyle/>
+          <a:p>
+            <a:pPr algn="ctr"/>
+            <a:endParaRPr lang="en-US"/>
+          </a:p>
+        </p:txBody>
+      </p:sp>
+      <p:sp>
+        <p:nvSpPr>
+          <p:cNvPr id="2" name="Abgerundetes Rechteck 1">
+            <a:extLst>
+              <a:ext uri="{FF2B5EF4-FFF2-40B4-BE49-F238E27FC236}">
+                <a16:creationId xmlns:a16="http://schemas.microsoft.com/office/drawing/2014/main" id="{39DFF451-75E8-8916-C042-A765DDCBDDAE}"/>
+              </a:ext>
+            </a:extLst>
+          </p:cNvPr>
+          <p:cNvSpPr/>
+          <p:nvPr/>
+        </p:nvSpPr>
+        <p:spPr>
+          <a:xfrm>
+            <a:off x="439838" y="3122874"/>
+            <a:ext cx="6713316" cy="2062584"/>
+          </a:xfrm>
+          <a:prstGeom prst="roundRect">
+            <a:avLst>
+              <a:gd name="adj" fmla="val 5750"/>
+            </a:avLst>
+          </a:prstGeom>
+          <a:noFill/>
+          <a:ln>
+            <a:solidFill>
+              <a:srgbClr val="FFBD44"/>
+            </a:solidFill>
+          </a:ln>
+        </p:spPr>
+        <p:style>
+          <a:lnRef idx="2">
+            <a:schemeClr val="accent1">
+              <a:shade val="15000"/>
+            </a:schemeClr>
+          </a:lnRef>
+          <a:fillRef idx="1">
+            <a:schemeClr val="accent1"/>
+          </a:fillRef>
+          <a:effectRef idx="0">
+            <a:schemeClr val="accent1"/>
+          </a:effectRef>
+          <a:fontRef idx="minor">
+            <a:schemeClr val="lt1"/>
+          </a:fontRef>
+        </p:style>
+        <p:txBody>
+          <a:bodyPr rtlCol="0" anchor="ctr"/>
+          <a:lstStyle/>
+          <a:p>
+            <a:pPr algn="ctr"/>
+            <a:endParaRPr lang="en-US"/>
+          </a:p>
+        </p:txBody>
+      </p:sp>
+      <p:pic>
+        <p:nvPicPr>
+          <p:cNvPr id="3" name="Grafik 2">
+            <a:extLst>
+              <a:ext uri="{FF2B5EF4-FFF2-40B4-BE49-F238E27FC236}">
+                <a16:creationId xmlns:a16="http://schemas.microsoft.com/office/drawing/2014/main" id="{ACB1D369-BEB6-41F7-D8E9-4577273937FE}"/>
+              </a:ext>
+            </a:extLst>
+          </p:cNvPr>
+          <p:cNvPicPr>
+            <a:picLocks noChangeAspect="1"/>
+          </p:cNvPicPr>
+          <p:nvPr/>
+        </p:nvPicPr>
+        <p:blipFill>
+          <a:blip r:embed="rId3"/>
+          <a:stretch>
+            <a:fillRect/>
+          </a:stretch>
+        </p:blipFill>
+        <p:spPr>
+          <a:xfrm>
+            <a:off x="2732528" y="418858"/>
+            <a:ext cx="6868610" cy="6010034"/>
+          </a:xfrm>
+          <a:prstGeom prst="roundRect">
+            <a:avLst>
+              <a:gd name="adj" fmla="val 2801"/>
+            </a:avLst>
+          </a:prstGeom>
+          <a:ln>
+            <a:solidFill>
+              <a:schemeClr val="bg1">
+                <a:lumMod val="65000"/>
+              </a:schemeClr>
+            </a:solidFill>
+          </a:ln>
+          <a:effectLst>
+            <a:outerShdw blurRad="50800" dist="38100" dir="2700000" algn="tl" rotWithShape="0">
+              <a:prstClr val="black">
+                <a:alpha val="40000"/>
+              </a:prstClr>
+            </a:outerShdw>
+          </a:effectLst>
+        </p:spPr>
+      </p:pic>
     </p:spTree>
     <p:extLst>
       <p:ext uri="{BB962C8B-B14F-4D97-AF65-F5344CB8AC3E}">
-        <p14:creationId xmlns:p14="http://schemas.microsoft.com/office/powerpoint/2010/main" val="964946611"/>
+        <p14:creationId xmlns:p14="http://schemas.microsoft.com/office/powerpoint/2010/main" val="3329853603"/>
+      </p:ext>
+    </p:extLst>
+  </p:cSld>
+  <p:clrMapOvr>
+    <a:masterClrMapping/>
+  </p:clrMapOvr>
+</p:sld>
+</file>
+
+<file path=ppt/slides/slide6.xml><?xml version="1.0" encoding="utf-8"?>
+<p:sld xmlns:a="http://schemas.openxmlformats.org/drawingml/2006/main" xmlns:r="http://schemas.openxmlformats.org/officeDocument/2006/relationships" xmlns:p="http://schemas.openxmlformats.org/presentationml/2006/main">
+  <p:cSld>
+    <p:spTree>
+      <p:nvGrpSpPr>
+        <p:cNvPr id="1" name=""/>
+        <p:cNvGrpSpPr/>
+        <p:nvPr/>
+      </p:nvGrpSpPr>
+      <p:grpSpPr>
+        <a:xfrm>
+          <a:off x="0" y="0"/>
+          <a:ext cx="0" cy="0"/>
+          <a:chOff x="0" y="0"/>
+          <a:chExt cx="0" cy="0"/>
+        </a:xfrm>
+      </p:grpSpPr>
+      <p:pic>
+        <p:nvPicPr>
+          <p:cNvPr id="11" name="Grafik 10">
+            <a:extLst>
+              <a:ext uri="{FF2B5EF4-FFF2-40B4-BE49-F238E27FC236}">
+                <a16:creationId xmlns:a16="http://schemas.microsoft.com/office/drawing/2014/main" id="{92B607C1-21CD-F58F-0AF0-EAFBB22AB12F}"/>
+              </a:ext>
+            </a:extLst>
+          </p:cNvPr>
+          <p:cNvPicPr>
+            <a:picLocks noChangeAspect="1"/>
+          </p:cNvPicPr>
+          <p:nvPr/>
+        </p:nvPicPr>
+        <p:blipFill>
+          <a:blip r:embed="rId2"/>
+          <a:stretch>
+            <a:fillRect/>
+          </a:stretch>
+        </p:blipFill>
+        <p:spPr>
+          <a:xfrm>
+            <a:off x="210355" y="418858"/>
+            <a:ext cx="11771290" cy="6020284"/>
+          </a:xfrm>
+          <a:prstGeom prst="rect">
+            <a:avLst/>
+          </a:prstGeom>
+        </p:spPr>
+      </p:pic>
+      <p:sp>
+        <p:nvSpPr>
+          <p:cNvPr id="6" name="Abgerundetes Rechteck 5">
+            <a:extLst>
+              <a:ext uri="{FF2B5EF4-FFF2-40B4-BE49-F238E27FC236}">
+                <a16:creationId xmlns:a16="http://schemas.microsoft.com/office/drawing/2014/main" id="{8B99C21C-3311-4CDB-F115-7BFA08124AD8}"/>
+              </a:ext>
+            </a:extLst>
+          </p:cNvPr>
+          <p:cNvSpPr/>
+          <p:nvPr/>
+        </p:nvSpPr>
+        <p:spPr>
+          <a:xfrm>
+            <a:off x="7322533" y="2366655"/>
+            <a:ext cx="4439862" cy="3883673"/>
+          </a:xfrm>
+          <a:prstGeom prst="roundRect">
+            <a:avLst>
+              <a:gd name="adj" fmla="val 2484"/>
+            </a:avLst>
+          </a:prstGeom>
+          <a:noFill/>
+          <a:ln>
+            <a:solidFill>
+              <a:schemeClr val="accent2"/>
+            </a:solidFill>
+          </a:ln>
+        </p:spPr>
+        <p:style>
+          <a:lnRef idx="2">
+            <a:schemeClr val="accent1">
+              <a:shade val="15000"/>
+            </a:schemeClr>
+          </a:lnRef>
+          <a:fillRef idx="1">
+            <a:schemeClr val="accent1"/>
+          </a:fillRef>
+          <a:effectRef idx="0">
+            <a:schemeClr val="accent1"/>
+          </a:effectRef>
+          <a:fontRef idx="minor">
+            <a:schemeClr val="lt1"/>
+          </a:fontRef>
+        </p:style>
+        <p:txBody>
+          <a:bodyPr rtlCol="0" anchor="ctr"/>
+          <a:lstStyle/>
+          <a:p>
+            <a:pPr algn="ctr"/>
+            <a:endParaRPr lang="en-US"/>
+          </a:p>
+        </p:txBody>
+      </p:sp>
+      <p:sp>
+        <p:nvSpPr>
+          <p:cNvPr id="7" name="Rechteck 6">
+            <a:extLst>
+              <a:ext uri="{FF2B5EF4-FFF2-40B4-BE49-F238E27FC236}">
+                <a16:creationId xmlns:a16="http://schemas.microsoft.com/office/drawing/2014/main" id="{B2B72AC2-EB73-8D45-2EF6-746B336035AF}"/>
+              </a:ext>
+            </a:extLst>
+          </p:cNvPr>
+          <p:cNvSpPr/>
+          <p:nvPr/>
+        </p:nvSpPr>
+        <p:spPr>
+          <a:xfrm>
+            <a:off x="234922" y="1444752"/>
+            <a:ext cx="6903224" cy="5262936"/>
+          </a:xfrm>
+          <a:prstGeom prst="rect">
+            <a:avLst/>
+          </a:prstGeom>
+          <a:solidFill>
+            <a:schemeClr val="bg1">
+              <a:alpha val="75000"/>
+            </a:schemeClr>
+          </a:solidFill>
+          <a:ln>
+            <a:solidFill>
+              <a:schemeClr val="bg1"/>
+            </a:solidFill>
+          </a:ln>
+        </p:spPr>
+        <p:style>
+          <a:lnRef idx="2">
+            <a:schemeClr val="accent1">
+              <a:shade val="15000"/>
+            </a:schemeClr>
+          </a:lnRef>
+          <a:fillRef idx="1">
+            <a:schemeClr val="accent1"/>
+          </a:fillRef>
+          <a:effectRef idx="0">
+            <a:schemeClr val="accent1"/>
+          </a:effectRef>
+          <a:fontRef idx="minor">
+            <a:schemeClr val="lt1"/>
+          </a:fontRef>
+        </p:style>
+        <p:txBody>
+          <a:bodyPr rtlCol="0" anchor="ctr"/>
+          <a:lstStyle/>
+          <a:p>
+            <a:pPr algn="ctr"/>
+            <a:endParaRPr lang="en-US"/>
+          </a:p>
+        </p:txBody>
+      </p:sp>
+      <p:sp>
+        <p:nvSpPr>
+          <p:cNvPr id="9" name="Rechteck 8">
+            <a:extLst>
+              <a:ext uri="{FF2B5EF4-FFF2-40B4-BE49-F238E27FC236}">
+                <a16:creationId xmlns:a16="http://schemas.microsoft.com/office/drawing/2014/main" id="{CB240BEA-3DB8-2124-EBFD-4499ADBF6519}"/>
+              </a:ext>
+            </a:extLst>
+          </p:cNvPr>
+          <p:cNvSpPr/>
+          <p:nvPr/>
+        </p:nvSpPr>
+        <p:spPr>
+          <a:xfrm>
+            <a:off x="7071735" y="1414872"/>
+            <a:ext cx="4768242" cy="807467"/>
+          </a:xfrm>
+          <a:prstGeom prst="rect">
+            <a:avLst/>
+          </a:prstGeom>
+          <a:solidFill>
+            <a:schemeClr val="bg1">
+              <a:alpha val="75000"/>
+            </a:schemeClr>
+          </a:solidFill>
+          <a:ln>
+            <a:solidFill>
+              <a:schemeClr val="bg1"/>
+            </a:solidFill>
+          </a:ln>
+        </p:spPr>
+        <p:style>
+          <a:lnRef idx="2">
+            <a:schemeClr val="accent1">
+              <a:shade val="15000"/>
+            </a:schemeClr>
+          </a:lnRef>
+          <a:fillRef idx="1">
+            <a:schemeClr val="accent1"/>
+          </a:fillRef>
+          <a:effectRef idx="0">
+            <a:schemeClr val="accent1"/>
+          </a:effectRef>
+          <a:fontRef idx="minor">
+            <a:schemeClr val="lt1"/>
+          </a:fontRef>
+        </p:style>
+        <p:txBody>
+          <a:bodyPr rtlCol="0" anchor="ctr"/>
+          <a:lstStyle/>
+          <a:p>
+            <a:pPr algn="ctr"/>
+            <a:endParaRPr lang="en-US"/>
+          </a:p>
+        </p:txBody>
+      </p:sp>
+      <p:sp>
+        <p:nvSpPr>
+          <p:cNvPr id="12" name="Rechteck 11">
+            <a:extLst>
+              <a:ext uri="{FF2B5EF4-FFF2-40B4-BE49-F238E27FC236}">
+                <a16:creationId xmlns:a16="http://schemas.microsoft.com/office/drawing/2014/main" id="{BC45055D-DDCB-FCA7-E659-9D566DD430B4}"/>
+              </a:ext>
+            </a:extLst>
+          </p:cNvPr>
+          <p:cNvSpPr/>
+          <p:nvPr/>
+        </p:nvSpPr>
+        <p:spPr>
+          <a:xfrm>
+            <a:off x="210355" y="239817"/>
+            <a:ext cx="11629622" cy="1140330"/>
+          </a:xfrm>
+          <a:prstGeom prst="rect">
+            <a:avLst/>
+          </a:prstGeom>
+          <a:solidFill>
+            <a:schemeClr val="bg1">
+              <a:alpha val="75000"/>
+            </a:schemeClr>
+          </a:solidFill>
+          <a:ln>
+            <a:solidFill>
+              <a:schemeClr val="bg1"/>
+            </a:solidFill>
+          </a:ln>
+        </p:spPr>
+        <p:style>
+          <a:lnRef idx="2">
+            <a:schemeClr val="accent1">
+              <a:shade val="15000"/>
+            </a:schemeClr>
+          </a:lnRef>
+          <a:fillRef idx="1">
+            <a:schemeClr val="accent1"/>
+          </a:fillRef>
+          <a:effectRef idx="0">
+            <a:schemeClr val="accent1"/>
+          </a:effectRef>
+          <a:fontRef idx="minor">
+            <a:schemeClr val="lt1"/>
+          </a:fontRef>
+        </p:style>
+        <p:txBody>
+          <a:bodyPr rtlCol="0" anchor="ctr"/>
+          <a:lstStyle/>
+          <a:p>
+            <a:pPr algn="ctr"/>
+            <a:endParaRPr lang="en-US"/>
+          </a:p>
+        </p:txBody>
+      </p:sp>
+    </p:spTree>
+    <p:extLst>
+      <p:ext uri="{BB962C8B-B14F-4D97-AF65-F5344CB8AC3E}">
+        <p14:creationId xmlns:p14="http://schemas.microsoft.com/office/powerpoint/2010/main" val="3152179621"/>
       </p:ext>
     </p:extLst>
   </p:cSld>
